--- a/GramsSim organization.pptx
+++ b/GramsSim organization.pptx
@@ -197,7 +197,7 @@
           <a:p>
             <a:fld id="{5E824787-735F-6A4D-8740-AA0B3CC8CF6C}" type="datetimeFigureOut">
               <a:rPr lang="en-US" smtClean="0"/>
-              <a:t>10/28/22</a:t>
+              <a:t>5/22/24</a:t>
             </a:fld>
             <a:endParaRPr lang="en-US"/>
           </a:p>
@@ -3685,8 +3685,8 @@
         </p:nvCxnSpPr>
         <p:spPr>
           <a:xfrm flipV="1">
-            <a:off x="2762029" y="2605674"/>
-            <a:ext cx="795095" cy="1993428"/>
+            <a:off x="2762029" y="2593482"/>
+            <a:ext cx="795095" cy="2005620"/>
           </a:xfrm>
           <a:prstGeom prst="bentConnector3">
             <a:avLst>
@@ -3870,7 +3870,7 @@
         </p:nvSpPr>
         <p:spPr>
           <a:xfrm>
-            <a:off x="3557124" y="2156741"/>
+            <a:off x="3557124" y="2144549"/>
             <a:ext cx="2289155" cy="897866"/>
           </a:xfrm>
           <a:prstGeom prst="rect">
@@ -4222,7 +4222,7 @@
         </p:nvSpPr>
         <p:spPr>
           <a:xfrm>
-            <a:off x="9460029" y="2698279"/>
+            <a:off x="9460029" y="1644983"/>
             <a:ext cx="2289155" cy="897866"/>
           </a:xfrm>
           <a:prstGeom prst="rect">
@@ -4277,7 +4277,7 @@
                   <a:schemeClr val="tx1"/>
                 </a:solidFill>
               </a:rPr>
-              <a:t>Signal shaping, dead time, etc.</a:t>
+              <a:t>Signal shaping, noise, etc.</a:t>
             </a:r>
             <a:endParaRPr lang="en-US" sz="2400" dirty="0">
               <a:solidFill>
@@ -4305,8 +4305,8 @@
         </p:nvCxnSpPr>
         <p:spPr>
           <a:xfrm>
-            <a:off x="5846279" y="2605674"/>
-            <a:ext cx="390247" cy="12700"/>
+            <a:off x="5846279" y="2593482"/>
+            <a:ext cx="390247" cy="1918"/>
           </a:xfrm>
           <a:prstGeom prst="bentConnector3">
             <a:avLst>
@@ -4356,12 +4356,12 @@
         </p:nvCxnSpPr>
         <p:spPr>
           <a:xfrm flipV="1">
-            <a:off x="6895295" y="3147212"/>
-            <a:ext cx="2564734" cy="2349756"/>
+            <a:off x="6895295" y="2093916"/>
+            <a:ext cx="2564734" cy="3403052"/>
           </a:xfrm>
           <a:prstGeom prst="bentConnector3">
             <a:avLst>
-              <a:gd name="adj1" fmla="val 81196"/>
+              <a:gd name="adj1" fmla="val 82448"/>
             </a:avLst>
           </a:prstGeom>
           <a:ln w="50800">
@@ -4401,17 +4401,18 @@
           <p:cNvCxnSpPr>
             <a:cxnSpLocks/>
             <a:stCxn id="31" idx="3"/>
+            <a:endCxn id="54" idx="1"/>
           </p:cNvCxnSpPr>
           <p:nvPr/>
         </p:nvCxnSpPr>
         <p:spPr>
-          <a:xfrm>
-            <a:off x="6895364" y="3983201"/>
-            <a:ext cx="2097491" cy="12700"/>
+          <a:xfrm flipV="1">
+            <a:off x="6895364" y="2093916"/>
+            <a:ext cx="2564665" cy="1889285"/>
           </a:xfrm>
           <a:prstGeom prst="bentConnector3">
             <a:avLst>
-              <a:gd name="adj1" fmla="val 50000"/>
+              <a:gd name="adj1" fmla="val 82048"/>
             </a:avLst>
           </a:prstGeom>
           <a:ln w="50800">
@@ -4453,7 +4454,7 @@
         </p:nvSpPr>
         <p:spPr>
           <a:xfrm>
-            <a:off x="9782295" y="1907003"/>
+            <a:off x="10283298" y="475495"/>
             <a:ext cx="1644480" cy="646331"/>
           </a:xfrm>
           <a:prstGeom prst="rect">
@@ -4479,7 +4480,7 @@
             </a:pPr>
             <a:r>
               <a:rPr lang="en-US" sz="1200" dirty="0"/>
-              <a:t>One to three programs, depending on the electronics design</a:t>
+              <a:t>This may be three programs, depending on electronics design</a:t>
             </a:r>
           </a:p>
         </p:txBody>
@@ -4858,8 +4859,8 @@
         </p:nvCxnSpPr>
         <p:spPr>
           <a:xfrm rot="5400000">
-            <a:off x="10290867" y="3909815"/>
-            <a:ext cx="627410" cy="70"/>
+            <a:off x="9764219" y="3383167"/>
+            <a:ext cx="1680706" cy="70"/>
           </a:xfrm>
           <a:prstGeom prst="bentConnector3">
             <a:avLst>
@@ -5158,7 +5159,7 @@
         </p:nvSpPr>
         <p:spPr>
           <a:xfrm>
-            <a:off x="10549197" y="3575220"/>
+            <a:off x="10549197" y="3647138"/>
             <a:ext cx="595035" cy="307777"/>
           </a:xfrm>
           <a:prstGeom prst="rect">
@@ -5336,8 +5337,8 @@
         </p:nvCxnSpPr>
         <p:spPr>
           <a:xfrm flipV="1">
-            <a:off x="9267091" y="3864324"/>
-            <a:ext cx="0" cy="2376646"/>
+            <a:off x="9267091" y="3954915"/>
+            <a:ext cx="0" cy="2286055"/>
           </a:xfrm>
           <a:prstGeom prst="line">
             <a:avLst/>
@@ -5474,7 +5475,7 @@
         </p:nvCxnSpPr>
         <p:spPr>
           <a:xfrm flipH="1">
-            <a:off x="9267091" y="3864324"/>
+            <a:off x="9267091" y="3967064"/>
             <a:ext cx="2656173" cy="0"/>
           </a:xfrm>
           <a:prstGeom prst="line">
@@ -5518,7 +5519,7 @@
         </p:nvSpPr>
         <p:spPr>
           <a:xfrm>
-            <a:off x="6236526" y="2156741"/>
+            <a:off x="6236526" y="2146467"/>
             <a:ext cx="2289155" cy="897866"/>
           </a:xfrm>
           <a:prstGeom prst="rect">
@@ -5600,13 +5601,13 @@
           <p:nvPr/>
         </p:nvCxnSpPr>
         <p:spPr>
-          <a:xfrm>
-            <a:off x="8525681" y="2605674"/>
-            <a:ext cx="934348" cy="541538"/>
+          <a:xfrm flipV="1">
+            <a:off x="8525681" y="2093916"/>
+            <a:ext cx="934348" cy="501484"/>
           </a:xfrm>
           <a:prstGeom prst="bentConnector3">
             <a:avLst>
-              <a:gd name="adj1" fmla="val 47776"/>
+              <a:gd name="adj1" fmla="val 50000"/>
             </a:avLst>
           </a:prstGeom>
           <a:ln w="50800">
@@ -5615,6 +5616,133 @@
                 <a:lumMod val="60000"/>
                 <a:lumOff val="40000"/>
               </a:schemeClr>
+            </a:solidFill>
+            <a:tailEnd type="triangle"/>
+          </a:ln>
+        </p:spPr>
+        <p:style>
+          <a:lnRef idx="1">
+            <a:schemeClr val="accent1"/>
+          </a:lnRef>
+          <a:fillRef idx="0">
+            <a:schemeClr val="accent1"/>
+          </a:fillRef>
+          <a:effectRef idx="0">
+            <a:schemeClr val="accent1"/>
+          </a:effectRef>
+          <a:fontRef idx="minor">
+            <a:schemeClr val="tx1"/>
+          </a:fontRef>
+        </p:style>
+      </p:cxnSp>
+      <p:sp>
+        <p:nvSpPr>
+          <p:cNvPr id="19" name="Rectangle 18">
+            <a:extLst>
+              <a:ext uri="{FF2B5EF4-FFF2-40B4-BE49-F238E27FC236}">
+                <a16:creationId xmlns:a16="http://schemas.microsoft.com/office/drawing/2014/main" id="{68494A03-8BA1-655C-5CF9-65E0FDB73518}"/>
+              </a:ext>
+            </a:extLst>
+          </p:cNvPr>
+          <p:cNvSpPr/>
+          <p:nvPr/>
+        </p:nvSpPr>
+        <p:spPr>
+          <a:xfrm>
+            <a:off x="9459959" y="2776440"/>
+            <a:ext cx="2289155" cy="897866"/>
+          </a:xfrm>
+          <a:prstGeom prst="rect">
+            <a:avLst/>
+          </a:prstGeom>
+          <a:ln w="76200">
+            <a:solidFill>
+              <a:schemeClr val="accent5">
+                <a:lumMod val="50000"/>
+              </a:schemeClr>
+            </a:solidFill>
+          </a:ln>
+        </p:spPr>
+        <p:style>
+          <a:lnRef idx="2">
+            <a:schemeClr val="accent6"/>
+          </a:lnRef>
+          <a:fillRef idx="1">
+            <a:schemeClr val="lt1"/>
+          </a:fillRef>
+          <a:effectRef idx="0">
+            <a:schemeClr val="accent6"/>
+          </a:effectRef>
+          <a:fontRef idx="minor">
+            <a:schemeClr val="dk1"/>
+          </a:fontRef>
+        </p:style>
+        <p:txBody>
+          <a:bodyPr rtlCol="0" anchor="ctr"/>
+          <a:lstStyle/>
+          <a:p>
+            <a:pPr algn="ctr"/>
+            <a:r>
+              <a:rPr lang="en-US" sz="2000" b="1" dirty="0" err="1">
+                <a:solidFill>
+                  <a:schemeClr val="tx1"/>
+                </a:solidFill>
+              </a:rPr>
+              <a:t>GramsTriggerSim</a:t>
+            </a:r>
+            <a:endParaRPr lang="en-US" sz="2000" b="1" dirty="0">
+              <a:solidFill>
+                <a:schemeClr val="tx1"/>
+              </a:solidFill>
+            </a:endParaRPr>
+          </a:p>
+          <a:p>
+            <a:pPr algn="ctr"/>
+            <a:r>
+              <a:rPr lang="en-US" sz="1200" dirty="0">
+                <a:solidFill>
+                  <a:schemeClr val="tx1"/>
+                </a:solidFill>
+              </a:rPr>
+              <a:t>Dead time, etc.</a:t>
+            </a:r>
+            <a:endParaRPr lang="en-US" sz="2400" dirty="0">
+              <a:solidFill>
+                <a:schemeClr val="tx1"/>
+              </a:solidFill>
+            </a:endParaRPr>
+          </a:p>
+        </p:txBody>
+      </p:sp>
+      <p:cxnSp>
+        <p:nvCxnSpPr>
+          <p:cNvPr id="40" name="Elbow Connector 39">
+            <a:extLst>
+              <a:ext uri="{FF2B5EF4-FFF2-40B4-BE49-F238E27FC236}">
+                <a16:creationId xmlns:a16="http://schemas.microsoft.com/office/drawing/2014/main" id="{9DA74B63-477C-54DA-D932-5674D6DC8AFF}"/>
+              </a:ext>
+            </a:extLst>
+          </p:cNvPr>
+          <p:cNvCxnSpPr>
+            <a:cxnSpLocks/>
+            <a:stCxn id="68" idx="2"/>
+            <a:endCxn id="54" idx="0"/>
+          </p:cNvCxnSpPr>
+          <p:nvPr/>
+        </p:nvCxnSpPr>
+        <p:spPr>
+          <a:xfrm rot="5400000">
+            <a:off x="10593495" y="1132939"/>
+            <a:ext cx="523157" cy="500931"/>
+          </a:xfrm>
+          <a:prstGeom prst="bentConnector3">
+            <a:avLst>
+              <a:gd name="adj1" fmla="val 50000"/>
+            </a:avLst>
+          </a:prstGeom>
+          <a:ln w="12700">
+            <a:solidFill>
+              <a:srgbClr val="FF0000"/>
             </a:solidFill>
             <a:tailEnd type="triangle"/>
           </a:ln>
